--- a/Mod 3 Project.pptx
+++ b/Mod 3 Project.pptx
@@ -805,7 +805,7 @@
   <p:cSld>
     <p:spTree>
       <p:nvGrpSpPr>
-        <p:cNvPr id="130" name="Shape 130"/>
+        <p:cNvPr id="129" name="Shape 129"/>
         <p:cNvGrpSpPr/>
         <p:nvPr/>
       </p:nvGrpSpPr>
@@ -819,7 +819,7 @@
       </p:grpSpPr>
       <p:sp>
         <p:nvSpPr>
-          <p:cNvPr id="131" name="Google Shape;131;g597dfcd3ad_0_512:notes"/>
+          <p:cNvPr id="130" name="Google Shape;130;g597dfcd3ad_0_512:notes"/>
           <p:cNvSpPr/>
           <p:nvPr>
             <p:ph idx="2" type="sldImg"/>
@@ -854,7 +854,7 @@
       </p:sp>
       <p:sp>
         <p:nvSpPr>
-          <p:cNvPr id="132" name="Google Shape;132;g597dfcd3ad_0_512:notes"/>
+          <p:cNvPr id="131" name="Google Shape;131;g597dfcd3ad_0_512:notes"/>
           <p:cNvSpPr txBox="1"/>
           <p:nvPr>
             <p:ph idx="1" type="body"/>
@@ -904,7 +904,7 @@
   <p:cSld>
     <p:spTree>
       <p:nvGrpSpPr>
-        <p:cNvPr id="136" name="Shape 136"/>
+        <p:cNvPr id="135" name="Shape 135"/>
         <p:cNvGrpSpPr/>
         <p:nvPr/>
       </p:nvGrpSpPr>
@@ -918,7 +918,7 @@
       </p:grpSpPr>
       <p:sp>
         <p:nvSpPr>
-          <p:cNvPr id="137" name="Google Shape;137;g597dfcd3ad_0_519:notes"/>
+          <p:cNvPr id="136" name="Google Shape;136;g597dfcd3ad_0_519:notes"/>
           <p:cNvSpPr/>
           <p:nvPr>
             <p:ph idx="2" type="sldImg"/>
@@ -953,7 +953,7 @@
       </p:sp>
       <p:sp>
         <p:nvSpPr>
-          <p:cNvPr id="138" name="Google Shape;138;g597dfcd3ad_0_519:notes"/>
+          <p:cNvPr id="137" name="Google Shape;137;g597dfcd3ad_0_519:notes"/>
           <p:cNvSpPr txBox="1"/>
           <p:nvPr>
             <p:ph idx="1" type="body"/>
@@ -1003,7 +1003,7 @@
   <p:cSld>
     <p:spTree>
       <p:nvGrpSpPr>
-        <p:cNvPr id="142" name="Shape 142"/>
+        <p:cNvPr id="141" name="Shape 141"/>
         <p:cNvGrpSpPr/>
         <p:nvPr/>
       </p:nvGrpSpPr>
@@ -1017,7 +1017,7 @@
       </p:grpSpPr>
       <p:sp>
         <p:nvSpPr>
-          <p:cNvPr id="143" name="Google Shape;143;g597dfcd3ad_0_526:notes"/>
+          <p:cNvPr id="142" name="Google Shape;142;g597dfcd3ad_0_526:notes"/>
           <p:cNvSpPr/>
           <p:nvPr>
             <p:ph idx="2" type="sldImg"/>
@@ -1052,7 +1052,7 @@
       </p:sp>
       <p:sp>
         <p:nvSpPr>
-          <p:cNvPr id="144" name="Google Shape;144;g597dfcd3ad_0_526:notes"/>
+          <p:cNvPr id="143" name="Google Shape;143;g597dfcd3ad_0_526:notes"/>
           <p:cNvSpPr txBox="1"/>
           <p:nvPr>
             <p:ph idx="1" type="body"/>
@@ -1102,7 +1102,7 @@
   <p:cSld>
     <p:spTree>
       <p:nvGrpSpPr>
-        <p:cNvPr id="148" name="Shape 148"/>
+        <p:cNvPr id="147" name="Shape 147"/>
         <p:cNvGrpSpPr/>
         <p:nvPr/>
       </p:nvGrpSpPr>
@@ -1116,7 +1116,7 @@
       </p:grpSpPr>
       <p:sp>
         <p:nvSpPr>
-          <p:cNvPr id="149" name="Google Shape;149;g597dfcd3ad_0_534:notes"/>
+          <p:cNvPr id="148" name="Google Shape;148;g597dfcd3ad_0_534:notes"/>
           <p:cNvSpPr/>
           <p:nvPr>
             <p:ph idx="2" type="sldImg"/>
@@ -1151,7 +1151,7 @@
       </p:sp>
       <p:sp>
         <p:nvSpPr>
-          <p:cNvPr id="150" name="Google Shape;150;g597dfcd3ad_0_534:notes"/>
+          <p:cNvPr id="149" name="Google Shape;149;g597dfcd3ad_0_534:notes"/>
           <p:cNvSpPr txBox="1"/>
           <p:nvPr>
             <p:ph idx="1" type="body"/>
@@ -1201,7 +1201,7 @@
   <p:cSld>
     <p:spTree>
       <p:nvGrpSpPr>
-        <p:cNvPr id="154" name="Shape 154"/>
+        <p:cNvPr id="153" name="Shape 153"/>
         <p:cNvGrpSpPr/>
         <p:nvPr/>
       </p:nvGrpSpPr>
@@ -1215,7 +1215,7 @@
       </p:grpSpPr>
       <p:sp>
         <p:nvSpPr>
-          <p:cNvPr id="155" name="Google Shape;155;g597dfcd3ad_0_543:notes"/>
+          <p:cNvPr id="154" name="Google Shape;154;g597dfcd3ad_0_543:notes"/>
           <p:cNvSpPr/>
           <p:nvPr>
             <p:ph idx="2" type="sldImg"/>
@@ -1250,7 +1250,7 @@
       </p:sp>
       <p:sp>
         <p:nvSpPr>
-          <p:cNvPr id="156" name="Google Shape;156;g597dfcd3ad_0_543:notes"/>
+          <p:cNvPr id="155" name="Google Shape;155;g597dfcd3ad_0_543:notes"/>
           <p:cNvSpPr txBox="1"/>
           <p:nvPr>
             <p:ph idx="1" type="body"/>
@@ -1300,7 +1300,7 @@
   <p:cSld>
     <p:spTree>
       <p:nvGrpSpPr>
-        <p:cNvPr id="160" name="Shape 160"/>
+        <p:cNvPr id="159" name="Shape 159"/>
         <p:cNvGrpSpPr/>
         <p:nvPr/>
       </p:nvGrpSpPr>
@@ -1314,7 +1314,7 @@
       </p:grpSpPr>
       <p:sp>
         <p:nvSpPr>
-          <p:cNvPr id="161" name="Google Shape;161;g597dfcd3ad_0_549:notes"/>
+          <p:cNvPr id="160" name="Google Shape;160;g597dfcd3ad_0_549:notes"/>
           <p:cNvSpPr/>
           <p:nvPr>
             <p:ph idx="2" type="sldImg"/>
@@ -1349,7 +1349,7 @@
       </p:sp>
       <p:sp>
         <p:nvSpPr>
-          <p:cNvPr id="162" name="Google Shape;162;g597dfcd3ad_0_549:notes"/>
+          <p:cNvPr id="161" name="Google Shape;161;g597dfcd3ad_0_549:notes"/>
           <p:cNvSpPr txBox="1"/>
           <p:nvPr>
             <p:ph idx="1" type="body"/>
@@ -1399,7 +1399,7 @@
   <p:cSld>
     <p:spTree>
       <p:nvGrpSpPr>
-        <p:cNvPr id="166" name="Shape 166"/>
+        <p:cNvPr id="165" name="Shape 165"/>
         <p:cNvGrpSpPr/>
         <p:nvPr/>
       </p:nvGrpSpPr>
@@ -1413,7 +1413,7 @@
       </p:grpSpPr>
       <p:sp>
         <p:nvSpPr>
-          <p:cNvPr id="167" name="Google Shape;167;g597dfcd3ad_0_557:notes"/>
+          <p:cNvPr id="166" name="Google Shape;166;g597dfcd3ad_0_557:notes"/>
           <p:cNvSpPr/>
           <p:nvPr>
             <p:ph idx="2" type="sldImg"/>
@@ -1448,7 +1448,7 @@
       </p:sp>
       <p:sp>
         <p:nvSpPr>
-          <p:cNvPr id="168" name="Google Shape;168;g597dfcd3ad_0_557:notes"/>
+          <p:cNvPr id="167" name="Google Shape;167;g597dfcd3ad_0_557:notes"/>
           <p:cNvSpPr txBox="1"/>
           <p:nvPr>
             <p:ph idx="1" type="body"/>
@@ -1498,7 +1498,7 @@
   <p:cSld>
     <p:spTree>
       <p:nvGrpSpPr>
-        <p:cNvPr id="171" name="Shape 171"/>
+        <p:cNvPr id="170" name="Shape 170"/>
         <p:cNvGrpSpPr/>
         <p:nvPr/>
       </p:nvGrpSpPr>
@@ -1512,7 +1512,7 @@
       </p:grpSpPr>
       <p:sp>
         <p:nvSpPr>
-          <p:cNvPr id="172" name="Google Shape;172;g597dfcd3ad_0_563:notes"/>
+          <p:cNvPr id="171" name="Google Shape;171;g597dfcd3ad_0_563:notes"/>
           <p:cNvSpPr/>
           <p:nvPr>
             <p:ph idx="2" type="sldImg"/>
@@ -1547,7 +1547,7 @@
       </p:sp>
       <p:sp>
         <p:nvSpPr>
-          <p:cNvPr id="173" name="Google Shape;173;g597dfcd3ad_0_563:notes"/>
+          <p:cNvPr id="172" name="Google Shape;172;g597dfcd3ad_0_563:notes"/>
           <p:cNvSpPr txBox="1"/>
           <p:nvPr>
             <p:ph idx="1" type="body"/>
@@ -9673,46 +9673,8 @@
               <a:buNone/>
             </a:pPr>
             <a:r>
-              <a:t/>
-            </a:r>
-            <a:endParaRPr/>
-          </a:p>
-        </p:txBody>
-      </p:sp>
-      <p:sp>
-        <p:nvSpPr>
-          <p:cNvPr id="129" name="Google Shape;129;p13"/>
-          <p:cNvSpPr txBox="1"/>
-          <p:nvPr>
-            <p:ph idx="1" type="subTitle"/>
-          </p:nvPr>
-        </p:nvSpPr>
-        <p:spPr>
-          <a:xfrm>
-            <a:off x="1858700" y="3413158"/>
-            <a:ext cx="5361300" cy="522600"/>
-          </a:xfrm>
-          <a:prstGeom prst="rect">
-            <a:avLst/>
-          </a:prstGeom>
-        </p:spPr>
-        <p:txBody>
-          <a:bodyPr anchorCtr="0" anchor="t" bIns="91425" lIns="91425" spcFirstLastPara="1" rIns="91425" wrap="square" tIns="91425">
-            <a:noAutofit/>
-          </a:bodyPr>
-          <a:lstStyle/>
-          <a:p>
-            <a:pPr indent="0" lvl="0" marL="0" rtl="0" algn="ctr">
-              <a:spcBef>
-                <a:spcPts val="0"/>
-              </a:spcBef>
-              <a:spcAft>
-                <a:spcPts val="0"/>
-              </a:spcAft>
-              <a:buNone/>
-            </a:pPr>
-            <a:r>
-              <a:t/>
+              <a:rPr lang="en-GB"/>
+              <a:t>U.S. Incarceration, Exoneration, and Politics by the Numbers</a:t>
             </a:r>
             <a:endParaRPr/>
           </a:p>
@@ -9731,7 +9693,7 @@
   <p:cSld>
     <p:spTree>
       <p:nvGrpSpPr>
-        <p:cNvPr id="133" name="Shape 133"/>
+        <p:cNvPr id="132" name="Shape 132"/>
         <p:cNvGrpSpPr/>
         <p:nvPr/>
       </p:nvGrpSpPr>
@@ -9745,7 +9707,7 @@
       </p:grpSpPr>
       <p:sp>
         <p:nvSpPr>
-          <p:cNvPr id="134" name="Google Shape;134;p14"/>
+          <p:cNvPr id="133" name="Google Shape;133;p14"/>
           <p:cNvSpPr txBox="1"/>
           <p:nvPr>
             <p:ph type="title"/>
@@ -9785,7 +9747,7 @@
       </p:sp>
       <p:pic>
         <p:nvPicPr>
-          <p:cNvPr id="135" name="Google Shape;135;p14"/>
+          <p:cNvPr id="134" name="Google Shape;134;p14"/>
           <p:cNvPicPr preferRelativeResize="0"/>
           <p:nvPr/>
         </p:nvPicPr>
@@ -9824,7 +9786,7 @@
   <p:cSld>
     <p:spTree>
       <p:nvGrpSpPr>
-        <p:cNvPr id="139" name="Shape 139"/>
+        <p:cNvPr id="138" name="Shape 138"/>
         <p:cNvGrpSpPr/>
         <p:nvPr/>
       </p:nvGrpSpPr>
@@ -9838,7 +9800,7 @@
       </p:grpSpPr>
       <p:sp>
         <p:nvSpPr>
-          <p:cNvPr id="140" name="Google Shape;140;p15"/>
+          <p:cNvPr id="139" name="Google Shape;139;p15"/>
           <p:cNvSpPr txBox="1"/>
           <p:nvPr>
             <p:ph type="title"/>
@@ -9878,7 +9840,7 @@
       </p:sp>
       <p:sp>
         <p:nvSpPr>
-          <p:cNvPr id="141" name="Google Shape;141;p15"/>
+          <p:cNvPr id="140" name="Google Shape;140;p15"/>
           <p:cNvSpPr txBox="1"/>
           <p:nvPr>
             <p:ph idx="1" type="body"/>
@@ -10030,7 +9992,7 @@
   <p:cSld>
     <p:spTree>
       <p:nvGrpSpPr>
-        <p:cNvPr id="145" name="Shape 145"/>
+        <p:cNvPr id="144" name="Shape 144"/>
         <p:cNvGrpSpPr/>
         <p:nvPr/>
       </p:nvGrpSpPr>
@@ -10044,7 +10006,7 @@
       </p:grpSpPr>
       <p:sp>
         <p:nvSpPr>
-          <p:cNvPr id="146" name="Google Shape;146;p16"/>
+          <p:cNvPr id="145" name="Google Shape;145;p16"/>
           <p:cNvSpPr txBox="1"/>
           <p:nvPr>
             <p:ph type="title"/>
@@ -10084,7 +10046,7 @@
       </p:sp>
       <p:pic>
         <p:nvPicPr>
-          <p:cNvPr id="147" name="Google Shape;147;p16"/>
+          <p:cNvPr id="146" name="Google Shape;146;p16"/>
           <p:cNvPicPr preferRelativeResize="0"/>
           <p:nvPr/>
         </p:nvPicPr>
@@ -10123,7 +10085,7 @@
   <p:cSld>
     <p:spTree>
       <p:nvGrpSpPr>
-        <p:cNvPr id="151" name="Shape 151"/>
+        <p:cNvPr id="150" name="Shape 150"/>
         <p:cNvGrpSpPr/>
         <p:nvPr/>
       </p:nvGrpSpPr>
@@ -10137,7 +10099,7 @@
       </p:grpSpPr>
       <p:sp>
         <p:nvSpPr>
-          <p:cNvPr id="152" name="Google Shape;152;p17"/>
+          <p:cNvPr id="151" name="Google Shape;151;p17"/>
           <p:cNvSpPr txBox="1"/>
           <p:nvPr>
             <p:ph type="title"/>
@@ -10177,7 +10139,7 @@
       </p:sp>
       <p:sp>
         <p:nvSpPr>
-          <p:cNvPr id="153" name="Google Shape;153;p17"/>
+          <p:cNvPr id="152" name="Google Shape;152;p17"/>
           <p:cNvSpPr txBox="1"/>
           <p:nvPr>
             <p:ph idx="1" type="body"/>
@@ -10340,7 +10302,7 @@
   <p:cSld>
     <p:spTree>
       <p:nvGrpSpPr>
-        <p:cNvPr id="157" name="Shape 157"/>
+        <p:cNvPr id="156" name="Shape 156"/>
         <p:cNvGrpSpPr/>
         <p:nvPr/>
       </p:nvGrpSpPr>
@@ -10354,7 +10316,7 @@
       </p:grpSpPr>
       <p:sp>
         <p:nvSpPr>
-          <p:cNvPr id="158" name="Google Shape;158;p18"/>
+          <p:cNvPr id="157" name="Google Shape;157;p18"/>
           <p:cNvSpPr txBox="1"/>
           <p:nvPr>
             <p:ph type="title"/>
@@ -10394,7 +10356,7 @@
       </p:sp>
       <p:pic>
         <p:nvPicPr>
-          <p:cNvPr id="159" name="Google Shape;159;p18"/>
+          <p:cNvPr id="158" name="Google Shape;158;p18"/>
           <p:cNvPicPr preferRelativeResize="0"/>
           <p:nvPr/>
         </p:nvPicPr>
@@ -10433,7 +10395,7 @@
   <p:cSld>
     <p:spTree>
       <p:nvGrpSpPr>
-        <p:cNvPr id="163" name="Shape 163"/>
+        <p:cNvPr id="162" name="Shape 162"/>
         <p:cNvGrpSpPr/>
         <p:nvPr/>
       </p:nvGrpSpPr>
@@ -10447,7 +10409,7 @@
       </p:grpSpPr>
       <p:sp>
         <p:nvSpPr>
-          <p:cNvPr id="164" name="Google Shape;164;p19"/>
+          <p:cNvPr id="163" name="Google Shape;163;p19"/>
           <p:cNvSpPr txBox="1"/>
           <p:nvPr>
             <p:ph type="title"/>
@@ -10487,7 +10449,7 @@
       </p:sp>
       <p:pic>
         <p:nvPicPr>
-          <p:cNvPr id="165" name="Google Shape;165;p19"/>
+          <p:cNvPr id="164" name="Google Shape;164;p19"/>
           <p:cNvPicPr preferRelativeResize="0"/>
           <p:nvPr/>
         </p:nvPicPr>
@@ -10526,7 +10488,7 @@
   <p:cSld>
     <p:spTree>
       <p:nvGrpSpPr>
-        <p:cNvPr id="169" name="Shape 169"/>
+        <p:cNvPr id="168" name="Shape 168"/>
         <p:cNvGrpSpPr/>
         <p:nvPr/>
       </p:nvGrpSpPr>
@@ -10540,7 +10502,7 @@
       </p:grpSpPr>
       <p:pic>
         <p:nvPicPr>
-          <p:cNvPr id="170" name="Google Shape;170;p20"/>
+          <p:cNvPr id="169" name="Google Shape;169;p20"/>
           <p:cNvPicPr preferRelativeResize="0"/>
           <p:nvPr/>
         </p:nvPicPr>
@@ -10579,7 +10541,7 @@
   <p:cSld>
     <p:spTree>
       <p:nvGrpSpPr>
-        <p:cNvPr id="174" name="Shape 174"/>
+        <p:cNvPr id="173" name="Shape 173"/>
         <p:cNvGrpSpPr/>
         <p:nvPr/>
       </p:nvGrpSpPr>
@@ -10593,7 +10555,7 @@
       </p:grpSpPr>
       <p:sp>
         <p:nvSpPr>
-          <p:cNvPr id="175" name="Google Shape;175;p21"/>
+          <p:cNvPr id="174" name="Google Shape;174;p21"/>
           <p:cNvSpPr txBox="1"/>
           <p:nvPr>
             <p:ph type="title"/>
@@ -10633,7 +10595,7 @@
       </p:sp>
       <p:sp>
         <p:nvSpPr>
-          <p:cNvPr id="176" name="Google Shape;176;p21"/>
+          <p:cNvPr id="175" name="Google Shape;175;p21"/>
           <p:cNvSpPr txBox="1"/>
           <p:nvPr>
             <p:ph idx="1" type="body"/>
@@ -10666,7 +10628,7 @@
             </a:pPr>
             <a:r>
               <a:rPr lang="en-GB"/>
-              <a:t>Government data is </a:t>
+              <a:t>The data on incarcerated and supervised people are </a:t>
             </a:r>
             <a:r>
               <a:rPr b="1" lang="en-GB"/>

--- a/Mod 3 Project.pptx
+++ b/Mod 3 Project.pptx
@@ -819,7 +819,7 @@
       </p:grpSpPr>
       <p:sp>
         <p:nvSpPr>
-          <p:cNvPr id="130" name="Google Shape;130;g597dfcd3ad_0_512:notes"/>
+          <p:cNvPr id="130" name="Google Shape;130;g597dfcd3ad_0_575:notes"/>
           <p:cNvSpPr/>
           <p:nvPr>
             <p:ph idx="2" type="sldImg"/>
@@ -854,7 +854,7 @@
       </p:sp>
       <p:sp>
         <p:nvSpPr>
-          <p:cNvPr id="131" name="Google Shape;131;g597dfcd3ad_0_512:notes"/>
+          <p:cNvPr id="131" name="Google Shape;131;g597dfcd3ad_0_575:notes"/>
           <p:cNvSpPr txBox="1"/>
           <p:nvPr>
             <p:ph idx="1" type="body"/>
@@ -9715,7 +9715,7 @@
         </p:nvSpPr>
         <p:spPr>
           <a:xfrm>
-            <a:off x="1099150" y="381825"/>
+            <a:off x="819150" y="498275"/>
             <a:ext cx="7505700" cy="954600"/>
           </a:xfrm>
           <a:prstGeom prst="rect">
@@ -9743,36 +9743,181 @@
             </a:r>
             <a:endParaRPr baseline="30000"/>
           </a:p>
+          <a:p>
+            <a:pPr indent="0" lvl="0" marL="0" rtl="0" algn="l">
+              <a:spcBef>
+                <a:spcPts val="0"/>
+              </a:spcBef>
+              <a:spcAft>
+                <a:spcPts val="0"/>
+              </a:spcAft>
+              <a:buNone/>
+            </a:pPr>
+            <a:r>
+              <a:t/>
+            </a:r>
+            <a:endParaRPr/>
+          </a:p>
         </p:txBody>
       </p:sp>
-      <p:pic>
-        <p:nvPicPr>
+      <p:sp>
+        <p:nvSpPr>
           <p:cNvPr id="134" name="Google Shape;134;p14"/>
-          <p:cNvPicPr preferRelativeResize="0"/>
-          <p:nvPr/>
-        </p:nvPicPr>
-        <p:blipFill>
-          <a:blip r:embed="rId3">
-            <a:alphaModFix/>
-          </a:blip>
-          <a:stretch>
-            <a:fillRect/>
-          </a:stretch>
-        </p:blipFill>
+          <p:cNvSpPr txBox="1"/>
+          <p:nvPr>
+            <p:ph idx="1" type="body"/>
+          </p:nvPr>
+        </p:nvSpPr>
         <p:spPr>
           <a:xfrm>
-            <a:off x="2478125" y="1115275"/>
-            <a:ext cx="4747750" cy="3560824"/>
+            <a:off x="819150" y="1452875"/>
+            <a:ext cx="7505700" cy="2448000"/>
           </a:xfrm>
           <a:prstGeom prst="rect">
             <a:avLst/>
           </a:prstGeom>
-          <a:noFill/>
-          <a:ln>
-            <a:noFill/>
-          </a:ln>
         </p:spPr>
-      </p:pic>
+        <p:txBody>
+          <a:bodyPr anchorCtr="0" anchor="t" bIns="91425" lIns="91425" spcFirstLastPara="1" rIns="91425" wrap="square" tIns="91425">
+            <a:noAutofit/>
+          </a:bodyPr>
+          <a:lstStyle/>
+          <a:p>
+            <a:pPr indent="-311150" lvl="0" marL="457200" rtl="0" algn="l">
+              <a:spcBef>
+                <a:spcPts val="0"/>
+              </a:spcBef>
+              <a:spcAft>
+                <a:spcPts val="0"/>
+              </a:spcAft>
+              <a:buSzPts val="1300"/>
+              <a:buChar char="●"/>
+            </a:pPr>
+            <a:r>
+              <a:rPr lang="en-GB"/>
+              <a:t>The U.S. locks up more people per capita than </a:t>
+            </a:r>
+            <a:r>
+              <a:rPr b="1" lang="en-GB"/>
+              <a:t>any other nation.</a:t>
+            </a:r>
+            <a:endParaRPr b="1"/>
+          </a:p>
+          <a:p>
+            <a:pPr indent="-311150" lvl="0" marL="457200" rtl="0" algn="l">
+              <a:spcBef>
+                <a:spcPts val="0"/>
+              </a:spcBef>
+              <a:spcAft>
+                <a:spcPts val="0"/>
+              </a:spcAft>
+              <a:buSzPts val="1300"/>
+              <a:buChar char="●"/>
+            </a:pPr>
+            <a:r>
+              <a:rPr lang="en-GB"/>
+              <a:t>A total 2.3 million (698 for every 100,000) U.S. residents live in confinement.</a:t>
+            </a:r>
+            <a:endParaRPr/>
+          </a:p>
+          <a:p>
+            <a:pPr indent="-311150" lvl="0" marL="457200" rtl="0" algn="l">
+              <a:spcBef>
+                <a:spcPts val="0"/>
+              </a:spcBef>
+              <a:spcAft>
+                <a:spcPts val="0"/>
+              </a:spcAft>
+              <a:buSzPts val="1300"/>
+              <a:buChar char="●"/>
+            </a:pPr>
+            <a:r>
+              <a:rPr lang="en-GB"/>
+              <a:t>Not everyone who goes to </a:t>
+            </a:r>
+            <a:r>
+              <a:rPr b="1" lang="en-GB"/>
+              <a:t>jail </a:t>
+            </a:r>
+            <a:r>
+              <a:rPr lang="en-GB"/>
+              <a:t>has been convicted of anything. </a:t>
+            </a:r>
+            <a:endParaRPr/>
+          </a:p>
+          <a:p>
+            <a:pPr indent="-311150" lvl="0" marL="457200" rtl="0" algn="l">
+              <a:spcBef>
+                <a:spcPts val="0"/>
+              </a:spcBef>
+              <a:spcAft>
+                <a:spcPts val="0"/>
+              </a:spcAft>
+              <a:buSzPts val="1300"/>
+              <a:buChar char="●"/>
+            </a:pPr>
+            <a:r>
+              <a:rPr lang="en-GB"/>
+              <a:t>Not everyone in </a:t>
+            </a:r>
+            <a:r>
+              <a:rPr b="1" lang="en-GB"/>
+              <a:t>prison </a:t>
+            </a:r>
+            <a:r>
+              <a:rPr lang="en-GB"/>
+              <a:t>belongs there (as exoneration data and trial-waiting times make clear).</a:t>
+            </a:r>
+            <a:endParaRPr/>
+          </a:p>
+          <a:p>
+            <a:pPr indent="-311150" lvl="0" marL="457200" rtl="0" algn="l">
+              <a:spcBef>
+                <a:spcPts val="0"/>
+              </a:spcBef>
+              <a:spcAft>
+                <a:spcPts val="0"/>
+              </a:spcAft>
+              <a:buSzPts val="1300"/>
+              <a:buChar char="●"/>
+            </a:pPr>
+            <a:r>
+              <a:rPr b="1" lang="en-GB"/>
+              <a:t>Political and profit motives </a:t>
+            </a:r>
+            <a:r>
+              <a:rPr lang="en-GB"/>
+              <a:t>(e.g., investments in private prisons) drive much decisionmaking behind incarceration policy.</a:t>
+            </a:r>
+            <a:endParaRPr/>
+          </a:p>
+          <a:p>
+            <a:pPr indent="-311150" lvl="0" marL="457200" rtl="0" algn="l">
+              <a:spcBef>
+                <a:spcPts val="0"/>
+              </a:spcBef>
+              <a:spcAft>
+                <a:spcPts val="0"/>
+              </a:spcAft>
+              <a:buSzPts val="1300"/>
+              <a:buChar char="●"/>
+            </a:pPr>
+            <a:r>
+              <a:rPr lang="en-GB"/>
+              <a:t>The public is </a:t>
+            </a:r>
+            <a:r>
+              <a:rPr b="1" lang="en-GB"/>
+              <a:t>underinformed </a:t>
+            </a:r>
+            <a:r>
+              <a:rPr lang="en-GB"/>
+              <a:t>about the complex interplay of factors that shape and influence who lives behind bars and who gets to be free.</a:t>
+            </a:r>
+            <a:endParaRPr/>
+          </a:p>
+        </p:txBody>
+      </p:sp>
     </p:spTree>
   </p:cSld>
   <p:clrMapOvr>
@@ -10705,6 +10850,285 @@
 </file>
 
 <file path=ppt/theme/theme1.xml><?xml version="1.0" encoding="utf-8"?>
+<a:theme xmlns:a="http://schemas.openxmlformats.org/drawingml/2006/main" xmlns:r="http://schemas.openxmlformats.org/officeDocument/2006/relationships" name="Shift">
+  <a:themeElements>
+    <a:clrScheme name="Shift">
+      <a:dk1>
+        <a:srgbClr val="FFFFFF"/>
+      </a:dk1>
+      <a:lt1>
+        <a:srgbClr val="AF7B51"/>
+      </a:lt1>
+      <a:dk2>
+        <a:srgbClr val="233A44"/>
+      </a:dk2>
+      <a:lt2>
+        <a:srgbClr val="D9D9D9"/>
+      </a:lt2>
+      <a:accent1>
+        <a:srgbClr val="00796B"/>
+      </a:accent1>
+      <a:accent2>
+        <a:srgbClr val="D9563F"/>
+      </a:accent2>
+      <a:accent3>
+        <a:srgbClr val="C4A15A"/>
+      </a:accent3>
+      <a:accent4>
+        <a:srgbClr val="14F597"/>
+      </a:accent4>
+      <a:accent5>
+        <a:srgbClr val="3D4594"/>
+      </a:accent5>
+      <a:accent6>
+        <a:srgbClr val="163EF5"/>
+      </a:accent6>
+      <a:hlink>
+        <a:srgbClr val="3D4594"/>
+      </a:hlink>
+      <a:folHlink>
+        <a:srgbClr val="3D4594"/>
+      </a:folHlink>
+    </a:clrScheme>
+    <a:fontScheme name="Office">
+      <a:majorFont>
+        <a:latin typeface="Arial"/>
+        <a:ea typeface=""/>
+        <a:cs typeface=""/>
+        <a:font script="Jpan" typeface="ＭＳ Ｐゴシック"/>
+        <a:font script="Hang" typeface="맑은 고딕"/>
+        <a:font script="Hans" typeface="宋体"/>
+        <a:font script="Hant" typeface="新細明體"/>
+        <a:font script="Arab" typeface="Times New Roman"/>
+        <a:font script="Hebr" typeface="Times New Roman"/>
+        <a:font script="Thai" typeface="Angsana New"/>
+        <a:font script="Ethi" typeface="Nyala"/>
+        <a:font script="Beng" typeface="Vrinda"/>
+        <a:font script="Gujr" typeface="Shruti"/>
+        <a:font script="Khmr" typeface="MoolBoran"/>
+        <a:font script="Knda" typeface="Tunga"/>
+        <a:font script="Guru" typeface="Raavi"/>
+        <a:font script="Cans" typeface="Euphemia"/>
+        <a:font script="Cher" typeface="Plantagenet Cherokee"/>
+        <a:font script="Yiii" typeface="Microsoft Yi Baiti"/>
+        <a:font script="Tibt" typeface="Microsoft Himalaya"/>
+        <a:font script="Thaa" typeface="MV Boli"/>
+        <a:font script="Deva" typeface="Mangal"/>
+        <a:font script="Telu" typeface="Gautami"/>
+        <a:font script="Taml" typeface="Latha"/>
+        <a:font script="Syrc" typeface="Estrangelo Edessa"/>
+        <a:font script="Orya" typeface="Kalinga"/>
+        <a:font script="Mlym" typeface="Kartika"/>
+        <a:font script="Laoo" typeface="DokChampa"/>
+        <a:font script="Sinh" typeface="Iskoola Pota"/>
+        <a:font script="Mong" typeface="Mongolian Baiti"/>
+        <a:font script="Viet" typeface="Times New Roman"/>
+        <a:font script="Uigh" typeface="Microsoft Uighur"/>
+        <a:font script="Geor" typeface="Sylfaen"/>
+      </a:majorFont>
+      <a:minorFont>
+        <a:latin typeface="Arial"/>
+        <a:ea typeface=""/>
+        <a:cs typeface=""/>
+        <a:font script="Jpan" typeface="ＭＳ Ｐゴシック"/>
+        <a:font script="Hang" typeface="맑은 고딕"/>
+        <a:font script="Hans" typeface="宋体"/>
+        <a:font script="Hant" typeface="新細明體"/>
+        <a:font script="Arab" typeface="Arial"/>
+        <a:font script="Hebr" typeface="Arial"/>
+        <a:font script="Thai" typeface="Cordia New"/>
+        <a:font script="Ethi" typeface="Nyala"/>
+        <a:font script="Beng" typeface="Vrinda"/>
+        <a:font script="Gujr" typeface="Shruti"/>
+        <a:font script="Khmr" typeface="DaunPenh"/>
+        <a:font script="Knda" typeface="Tunga"/>
+        <a:font script="Guru" typeface="Raavi"/>
+        <a:font script="Cans" typeface="Euphemia"/>
+        <a:font script="Cher" typeface="Plantagenet Cherokee"/>
+        <a:font script="Yiii" typeface="Microsoft Yi Baiti"/>
+        <a:font script="Tibt" typeface="Microsoft Himalaya"/>
+        <a:font script="Thaa" typeface="MV Boli"/>
+        <a:font script="Deva" typeface="Mangal"/>
+        <a:font script="Telu" typeface="Gautami"/>
+        <a:font script="Taml" typeface="Latha"/>
+        <a:font script="Syrc" typeface="Estrangelo Edessa"/>
+        <a:font script="Orya" typeface="Kalinga"/>
+        <a:font script="Mlym" typeface="Kartika"/>
+        <a:font script="Laoo" typeface="DokChampa"/>
+        <a:font script="Sinh" typeface="Iskoola Pota"/>
+        <a:font script="Mong" typeface="Mongolian Baiti"/>
+        <a:font script="Viet" typeface="Arial"/>
+        <a:font script="Uigh" typeface="Microsoft Uighur"/>
+        <a:font script="Geor" typeface="Sylfaen"/>
+      </a:minorFont>
+    </a:fontScheme>
+    <a:fmtScheme name="Office">
+      <a:fillStyleLst>
+        <a:solidFill>
+          <a:schemeClr val="phClr"/>
+        </a:solidFill>
+        <a:gradFill rotWithShape="1">
+          <a:gsLst>
+            <a:gs pos="0">
+              <a:schemeClr val="phClr">
+                <a:tint val="50000"/>
+                <a:satMod val="300000"/>
+              </a:schemeClr>
+            </a:gs>
+            <a:gs pos="35000">
+              <a:schemeClr val="phClr">
+                <a:tint val="37000"/>
+                <a:satMod val="300000"/>
+              </a:schemeClr>
+            </a:gs>
+            <a:gs pos="100000">
+              <a:schemeClr val="phClr">
+                <a:tint val="15000"/>
+                <a:satMod val="350000"/>
+              </a:schemeClr>
+            </a:gs>
+          </a:gsLst>
+          <a:lin ang="16200000" scaled="1"/>
+        </a:gradFill>
+        <a:gradFill rotWithShape="1">
+          <a:gsLst>
+            <a:gs pos="0">
+              <a:schemeClr val="phClr">
+                <a:tint val="100000"/>
+                <a:shade val="100000"/>
+                <a:satMod val="130000"/>
+              </a:schemeClr>
+            </a:gs>
+            <a:gs pos="100000">
+              <a:schemeClr val="phClr">
+                <a:tint val="50000"/>
+                <a:shade val="100000"/>
+                <a:satMod val="350000"/>
+              </a:schemeClr>
+            </a:gs>
+          </a:gsLst>
+          <a:lin ang="16200000" scaled="0"/>
+        </a:gradFill>
+      </a:fillStyleLst>
+      <a:lnStyleLst>
+        <a:ln w="9525" cap="flat" cmpd="sng" algn="ctr">
+          <a:solidFill>
+            <a:schemeClr val="phClr">
+              <a:shade val="95000"/>
+              <a:satMod val="105000"/>
+            </a:schemeClr>
+          </a:solidFill>
+          <a:prstDash val="solid"/>
+        </a:ln>
+        <a:ln w="25400" cap="flat" cmpd="sng" algn="ctr">
+          <a:solidFill>
+            <a:schemeClr val="phClr"/>
+          </a:solidFill>
+          <a:prstDash val="solid"/>
+        </a:ln>
+        <a:ln w="38100" cap="flat" cmpd="sng" algn="ctr">
+          <a:solidFill>
+            <a:schemeClr val="phClr"/>
+          </a:solidFill>
+          <a:prstDash val="solid"/>
+        </a:ln>
+      </a:lnStyleLst>
+      <a:effectStyleLst>
+        <a:effectStyle>
+          <a:effectLst>
+            <a:outerShdw blurRad="40000" dist="20000" dir="5400000" rotWithShape="0">
+              <a:srgbClr val="000000">
+                <a:alpha val="38000"/>
+              </a:srgbClr>
+            </a:outerShdw>
+          </a:effectLst>
+        </a:effectStyle>
+        <a:effectStyle>
+          <a:effectLst>
+            <a:outerShdw blurRad="40000" dist="23000" dir="5400000" rotWithShape="0">
+              <a:srgbClr val="000000">
+                <a:alpha val="35000"/>
+              </a:srgbClr>
+            </a:outerShdw>
+          </a:effectLst>
+        </a:effectStyle>
+        <a:effectStyle>
+          <a:effectLst>
+            <a:outerShdw blurRad="40000" dist="23000" dir="5400000" rotWithShape="0">
+              <a:srgbClr val="000000">
+                <a:alpha val="35000"/>
+              </a:srgbClr>
+            </a:outerShdw>
+          </a:effectLst>
+          <a:scene3d>
+            <a:camera prst="orthographicFront">
+              <a:rot lat="0" lon="0" rev="0"/>
+            </a:camera>
+            <a:lightRig rig="threePt" dir="t">
+              <a:rot lat="0" lon="0" rev="1200000"/>
+            </a:lightRig>
+          </a:scene3d>
+          <a:sp3d>
+            <a:bevelT w="63500" h="25400"/>
+          </a:sp3d>
+        </a:effectStyle>
+      </a:effectStyleLst>
+      <a:bgFillStyleLst>
+        <a:solidFill>
+          <a:schemeClr val="phClr"/>
+        </a:solidFill>
+        <a:gradFill rotWithShape="1">
+          <a:gsLst>
+            <a:gs pos="0">
+              <a:schemeClr val="phClr">
+                <a:tint val="40000"/>
+                <a:satMod val="350000"/>
+              </a:schemeClr>
+            </a:gs>
+            <a:gs pos="40000">
+              <a:schemeClr val="phClr">
+                <a:tint val="45000"/>
+                <a:shade val="99000"/>
+                <a:satMod val="350000"/>
+              </a:schemeClr>
+            </a:gs>
+            <a:gs pos="100000">
+              <a:schemeClr val="phClr">
+                <a:shade val="20000"/>
+                <a:satMod val="255000"/>
+              </a:schemeClr>
+            </a:gs>
+          </a:gsLst>
+          <a:path path="circle">
+            <a:fillToRect l="50000" t="-80000" r="50000" b="180000"/>
+          </a:path>
+        </a:gradFill>
+        <a:gradFill rotWithShape="1">
+          <a:gsLst>
+            <a:gs pos="0">
+              <a:schemeClr val="phClr">
+                <a:tint val="80000"/>
+                <a:satMod val="300000"/>
+              </a:schemeClr>
+            </a:gs>
+            <a:gs pos="100000">
+              <a:schemeClr val="phClr">
+                <a:shade val="30000"/>
+                <a:satMod val="200000"/>
+              </a:schemeClr>
+            </a:gs>
+          </a:gsLst>
+          <a:path path="circle">
+            <a:fillToRect l="50000" t="50000" r="50000" b="50000"/>
+          </a:path>
+        </a:gradFill>
+      </a:bgFillStyleLst>
+    </a:fmtScheme>
+  </a:themeElements>
+</a:theme>
+</file>
+
+<file path=ppt/theme/theme2.xml><?xml version="1.0" encoding="utf-8"?>
 <a:theme xmlns:a="http://schemas.openxmlformats.org/drawingml/2006/main" xmlns:r="http://schemas.openxmlformats.org/officeDocument/2006/relationships">
   <a:themeElements>
     <a:clrScheme name="Default">
@@ -10981,283 +11405,4 @@
     </a:fmtScheme>
   </a:themeElements>
 </a:theme>
-</file>
-
-<file path=ppt/theme/theme2.xml><?xml version="1.0" encoding="utf-8"?>
-<a:theme xmlns:a="http://schemas.openxmlformats.org/drawingml/2006/main" xmlns:r="http://schemas.openxmlformats.org/officeDocument/2006/relationships" name="Shift">
-  <a:themeElements>
-    <a:clrScheme name="Shift">
-      <a:dk1>
-        <a:srgbClr val="FFFFFF"/>
-      </a:dk1>
-      <a:lt1>
-        <a:srgbClr val="AF7B51"/>
-      </a:lt1>
-      <a:dk2>
-        <a:srgbClr val="233A44"/>
-      </a:dk2>
-      <a:lt2>
-        <a:srgbClr val="D9D9D9"/>
-      </a:lt2>
-      <a:accent1>
-        <a:srgbClr val="00796B"/>
-      </a:accent1>
-      <a:accent2>
-        <a:srgbClr val="D9563F"/>
-      </a:accent2>
-      <a:accent3>
-        <a:srgbClr val="C4A15A"/>
-      </a:accent3>
-      <a:accent4>
-        <a:srgbClr val="14F597"/>
-      </a:accent4>
-      <a:accent5>
-        <a:srgbClr val="3D4594"/>
-      </a:accent5>
-      <a:accent6>
-        <a:srgbClr val="163EF5"/>
-      </a:accent6>
-      <a:hlink>
-        <a:srgbClr val="3D4594"/>
-      </a:hlink>
-      <a:folHlink>
-        <a:srgbClr val="3D4594"/>
-      </a:folHlink>
-    </a:clrScheme>
-    <a:fontScheme name="Office">
-      <a:majorFont>
-        <a:latin typeface="Arial"/>
-        <a:ea typeface=""/>
-        <a:cs typeface=""/>
-        <a:font script="Jpan" typeface="ＭＳ Ｐゴシック"/>
-        <a:font script="Hang" typeface="맑은 고딕"/>
-        <a:font script="Hans" typeface="宋体"/>
-        <a:font script="Hant" typeface="新細明體"/>
-        <a:font script="Arab" typeface="Times New Roman"/>
-        <a:font script="Hebr" typeface="Times New Roman"/>
-        <a:font script="Thai" typeface="Angsana New"/>
-        <a:font script="Ethi" typeface="Nyala"/>
-        <a:font script="Beng" typeface="Vrinda"/>
-        <a:font script="Gujr" typeface="Shruti"/>
-        <a:font script="Khmr" typeface="MoolBoran"/>
-        <a:font script="Knda" typeface="Tunga"/>
-        <a:font script="Guru" typeface="Raavi"/>
-        <a:font script="Cans" typeface="Euphemia"/>
-        <a:font script="Cher" typeface="Plantagenet Cherokee"/>
-        <a:font script="Yiii" typeface="Microsoft Yi Baiti"/>
-        <a:font script="Tibt" typeface="Microsoft Himalaya"/>
-        <a:font script="Thaa" typeface="MV Boli"/>
-        <a:font script="Deva" typeface="Mangal"/>
-        <a:font script="Telu" typeface="Gautami"/>
-        <a:font script="Taml" typeface="Latha"/>
-        <a:font script="Syrc" typeface="Estrangelo Edessa"/>
-        <a:font script="Orya" typeface="Kalinga"/>
-        <a:font script="Mlym" typeface="Kartika"/>
-        <a:font script="Laoo" typeface="DokChampa"/>
-        <a:font script="Sinh" typeface="Iskoola Pota"/>
-        <a:font script="Mong" typeface="Mongolian Baiti"/>
-        <a:font script="Viet" typeface="Times New Roman"/>
-        <a:font script="Uigh" typeface="Microsoft Uighur"/>
-        <a:font script="Geor" typeface="Sylfaen"/>
-      </a:majorFont>
-      <a:minorFont>
-        <a:latin typeface="Arial"/>
-        <a:ea typeface=""/>
-        <a:cs typeface=""/>
-        <a:font script="Jpan" typeface="ＭＳ Ｐゴシック"/>
-        <a:font script="Hang" typeface="맑은 고딕"/>
-        <a:font script="Hans" typeface="宋体"/>
-        <a:font script="Hant" typeface="新細明體"/>
-        <a:font script="Arab" typeface="Arial"/>
-        <a:font script="Hebr" typeface="Arial"/>
-        <a:font script="Thai" typeface="Cordia New"/>
-        <a:font script="Ethi" typeface="Nyala"/>
-        <a:font script="Beng" typeface="Vrinda"/>
-        <a:font script="Gujr" typeface="Shruti"/>
-        <a:font script="Khmr" typeface="DaunPenh"/>
-        <a:font script="Knda" typeface="Tunga"/>
-        <a:font script="Guru" typeface="Raavi"/>
-        <a:font script="Cans" typeface="Euphemia"/>
-        <a:font script="Cher" typeface="Plantagenet Cherokee"/>
-        <a:font script="Yiii" typeface="Microsoft Yi Baiti"/>
-        <a:font script="Tibt" typeface="Microsoft Himalaya"/>
-        <a:font script="Thaa" typeface="MV Boli"/>
-        <a:font script="Deva" typeface="Mangal"/>
-        <a:font script="Telu" typeface="Gautami"/>
-        <a:font script="Taml" typeface="Latha"/>
-        <a:font script="Syrc" typeface="Estrangelo Edessa"/>
-        <a:font script="Orya" typeface="Kalinga"/>
-        <a:font script="Mlym" typeface="Kartika"/>
-        <a:font script="Laoo" typeface="DokChampa"/>
-        <a:font script="Sinh" typeface="Iskoola Pota"/>
-        <a:font script="Mong" typeface="Mongolian Baiti"/>
-        <a:font script="Viet" typeface="Arial"/>
-        <a:font script="Uigh" typeface="Microsoft Uighur"/>
-        <a:font script="Geor" typeface="Sylfaen"/>
-      </a:minorFont>
-    </a:fontScheme>
-    <a:fmtScheme name="Office">
-      <a:fillStyleLst>
-        <a:solidFill>
-          <a:schemeClr val="phClr"/>
-        </a:solidFill>
-        <a:gradFill rotWithShape="1">
-          <a:gsLst>
-            <a:gs pos="0">
-              <a:schemeClr val="phClr">
-                <a:tint val="50000"/>
-                <a:satMod val="300000"/>
-              </a:schemeClr>
-            </a:gs>
-            <a:gs pos="35000">
-              <a:schemeClr val="phClr">
-                <a:tint val="37000"/>
-                <a:satMod val="300000"/>
-              </a:schemeClr>
-            </a:gs>
-            <a:gs pos="100000">
-              <a:schemeClr val="phClr">
-                <a:tint val="15000"/>
-                <a:satMod val="350000"/>
-              </a:schemeClr>
-            </a:gs>
-          </a:gsLst>
-          <a:lin ang="16200000" scaled="1"/>
-        </a:gradFill>
-        <a:gradFill rotWithShape="1">
-          <a:gsLst>
-            <a:gs pos="0">
-              <a:schemeClr val="phClr">
-                <a:tint val="100000"/>
-                <a:shade val="100000"/>
-                <a:satMod val="130000"/>
-              </a:schemeClr>
-            </a:gs>
-            <a:gs pos="100000">
-              <a:schemeClr val="phClr">
-                <a:tint val="50000"/>
-                <a:shade val="100000"/>
-                <a:satMod val="350000"/>
-              </a:schemeClr>
-            </a:gs>
-          </a:gsLst>
-          <a:lin ang="16200000" scaled="0"/>
-        </a:gradFill>
-      </a:fillStyleLst>
-      <a:lnStyleLst>
-        <a:ln w="9525" cap="flat" cmpd="sng" algn="ctr">
-          <a:solidFill>
-            <a:schemeClr val="phClr">
-              <a:shade val="95000"/>
-              <a:satMod val="105000"/>
-            </a:schemeClr>
-          </a:solidFill>
-          <a:prstDash val="solid"/>
-        </a:ln>
-        <a:ln w="25400" cap="flat" cmpd="sng" algn="ctr">
-          <a:solidFill>
-            <a:schemeClr val="phClr"/>
-          </a:solidFill>
-          <a:prstDash val="solid"/>
-        </a:ln>
-        <a:ln w="38100" cap="flat" cmpd="sng" algn="ctr">
-          <a:solidFill>
-            <a:schemeClr val="phClr"/>
-          </a:solidFill>
-          <a:prstDash val="solid"/>
-        </a:ln>
-      </a:lnStyleLst>
-      <a:effectStyleLst>
-        <a:effectStyle>
-          <a:effectLst>
-            <a:outerShdw blurRad="40000" dist="20000" dir="5400000" rotWithShape="0">
-              <a:srgbClr val="000000">
-                <a:alpha val="38000"/>
-              </a:srgbClr>
-            </a:outerShdw>
-          </a:effectLst>
-        </a:effectStyle>
-        <a:effectStyle>
-          <a:effectLst>
-            <a:outerShdw blurRad="40000" dist="23000" dir="5400000" rotWithShape="0">
-              <a:srgbClr val="000000">
-                <a:alpha val="35000"/>
-              </a:srgbClr>
-            </a:outerShdw>
-          </a:effectLst>
-        </a:effectStyle>
-        <a:effectStyle>
-          <a:effectLst>
-            <a:outerShdw blurRad="40000" dist="23000" dir="5400000" rotWithShape="0">
-              <a:srgbClr val="000000">
-                <a:alpha val="35000"/>
-              </a:srgbClr>
-            </a:outerShdw>
-          </a:effectLst>
-          <a:scene3d>
-            <a:camera prst="orthographicFront">
-              <a:rot lat="0" lon="0" rev="0"/>
-            </a:camera>
-            <a:lightRig rig="threePt" dir="t">
-              <a:rot lat="0" lon="0" rev="1200000"/>
-            </a:lightRig>
-          </a:scene3d>
-          <a:sp3d>
-            <a:bevelT w="63500" h="25400"/>
-          </a:sp3d>
-        </a:effectStyle>
-      </a:effectStyleLst>
-      <a:bgFillStyleLst>
-        <a:solidFill>
-          <a:schemeClr val="phClr"/>
-        </a:solidFill>
-        <a:gradFill rotWithShape="1">
-          <a:gsLst>
-            <a:gs pos="0">
-              <a:schemeClr val="phClr">
-                <a:tint val="40000"/>
-                <a:satMod val="350000"/>
-              </a:schemeClr>
-            </a:gs>
-            <a:gs pos="40000">
-              <a:schemeClr val="phClr">
-                <a:tint val="45000"/>
-                <a:shade val="99000"/>
-                <a:satMod val="350000"/>
-              </a:schemeClr>
-            </a:gs>
-            <a:gs pos="100000">
-              <a:schemeClr val="phClr">
-                <a:shade val="20000"/>
-                <a:satMod val="255000"/>
-              </a:schemeClr>
-            </a:gs>
-          </a:gsLst>
-          <a:path path="circle">
-            <a:fillToRect l="50000" t="-80000" r="50000" b="180000"/>
-          </a:path>
-        </a:gradFill>
-        <a:gradFill rotWithShape="1">
-          <a:gsLst>
-            <a:gs pos="0">
-              <a:schemeClr val="phClr">
-                <a:tint val="80000"/>
-                <a:satMod val="300000"/>
-              </a:schemeClr>
-            </a:gs>
-            <a:gs pos="100000">
-              <a:schemeClr val="phClr">
-                <a:shade val="30000"/>
-                <a:satMod val="200000"/>
-              </a:schemeClr>
-            </a:gs>
-          </a:gsLst>
-          <a:path path="circle">
-            <a:fillToRect l="50000" t="50000" r="50000" b="50000"/>
-          </a:path>
-        </a:gradFill>
-      </a:bgFillStyleLst>
-    </a:fmtScheme>
-  </a:themeElements>
-</a:theme>
 </file>